--- a/Group-6_COVID and NC counties - 07232020.pptx
+++ b/Group-6_COVID and NC counties - 07232020.pptx
@@ -2348,6 +2348,32 @@
           <a:bodyPr/>
           <a:lstStyle/>
           <a:p>
+            <a:r>
+              <a:rPr lang="en-US" dirty="0"/>
+              <a:t>And here that is. You can see the county seats and testing sites on the same map.</a:t>
+            </a:r>
+          </a:p>
+          <a:p>
+            <a:endParaRPr lang="en-US" dirty="0"/>
+          </a:p>
+          <a:p>
+            <a:r>
+              <a:rPr lang="en-US" dirty="0"/>
+              <a:t>With more time, we’d like to do further analysis that looks for correlation between distance to testing and reporting numbers, etc.</a:t>
+            </a:r>
+          </a:p>
+          <a:p>
+            <a:endParaRPr lang="en-US" dirty="0"/>
+          </a:p>
+          <a:p>
+            <a:r>
+              <a:rPr lang="en-US" dirty="0"/>
+              <a:t>Thank you for your time. That’s it </a:t>
+            </a:r>
+            <a:r>
+              <a:rPr lang="en-US"/>
+              <a:t>for group 6!</a:t>
+            </a:r>
             <a:endParaRPr lang="en-US" dirty="0"/>
           </a:p>
         </p:txBody>

--- a/Group-6_COVID and NC counties - 07232020.pptx
+++ b/Group-6_COVID and NC counties - 07232020.pptx
@@ -218,7 +218,7 @@
           <a:p>
             <a:fld id="{C7A5A36D-EB5E-4238-B1CA-D63EA6B2D5D0}" type="datetimeFigureOut">
               <a:rPr lang="en-US" smtClean="0"/>
-              <a:t>7/23/20</a:t>
+              <a:t>7/24/20</a:t>
             </a:fld>
             <a:endParaRPr lang="en-US"/>
           </a:p>
@@ -1742,101 +1742,21 @@
             </a:pPr>
             <a:r>
               <a:rPr lang="en-US" dirty="0"/>
-              <a:t>(Connor) Multicollinearity is when two or more independent variables in a regression are too highly correlated with one another,</a:t>
-            </a:r>
-          </a:p>
-          <a:p>
-            <a:pPr marL="0" marR="0" lvl="0" indent="0" algn="l" defTabSz="914400" rtl="0" eaLnBrk="1" fontAlgn="auto" latinLnBrk="0" hangingPunct="1">
-              <a:lnSpc>
-                <a:spcPct val="100000"/>
-              </a:lnSpc>
-              <a:spcBef>
-                <a:spcPts val="0"/>
-              </a:spcBef>
-              <a:spcAft>
-                <a:spcPts val="0"/>
-              </a:spcAft>
-              <a:buClrTx/>
-              <a:buSzTx/>
-              <a:buFontTx/>
-              <a:buNone/>
-              <a:tabLst/>
-              <a:defRPr/>
-            </a:pPr>
-            <a:r>
-              <a:rPr lang="en-US" dirty="0"/>
-              <a:t> which undermines the validity of a multiple linear regression.</a:t>
-            </a:r>
-            <a:br>
-              <a:rPr lang="en-US" dirty="0"/>
-            </a:br>
+              <a:t>(Connor) </a:t>
+            </a:r>
+            <a:r>
+              <a:rPr lang="en-US" sz="1200" b="0" i="0" kern="1200" dirty="0">
+                <a:solidFill>
+                  <a:schemeClr val="tx1"/>
+                </a:solidFill>
+                <a:effectLst/>
+                <a:latin typeface="+mn-lt"/>
+                <a:ea typeface="+mn-ea"/>
+                <a:cs typeface="+mn-cs"/>
+              </a:rPr>
+              <a:t>And here's the same multiple linear regressions for deaths.</a:t>
+            </a:r>
             <a:endParaRPr lang="en-US" dirty="0"/>
-          </a:p>
-          <a:p>
-            <a:pPr marL="0" marR="0" lvl="0" indent="0" algn="l" defTabSz="914400" rtl="0" eaLnBrk="1" fontAlgn="auto" latinLnBrk="0" hangingPunct="1">
-              <a:lnSpc>
-                <a:spcPct val="100000"/>
-              </a:lnSpc>
-              <a:spcBef>
-                <a:spcPts val="0"/>
-              </a:spcBef>
-              <a:spcAft>
-                <a:spcPts val="0"/>
-              </a:spcAft>
-              <a:buClrTx/>
-              <a:buSzTx/>
-              <a:buFontTx/>
-              <a:buNone/>
-              <a:tabLst/>
-              <a:defRPr/>
-            </a:pPr>
-            <a:r>
-              <a:rPr lang="en-US" dirty="0"/>
-              <a:t>Unfortunately, our dependent variables were too highly correlated with one another to perform a valid multiple linear regression.</a:t>
-            </a:r>
-          </a:p>
-          <a:p>
-            <a:pPr marL="0" marR="0" lvl="0" indent="0" algn="l" defTabSz="914400" rtl="0" eaLnBrk="1" fontAlgn="auto" latinLnBrk="0" hangingPunct="1">
-              <a:lnSpc>
-                <a:spcPct val="100000"/>
-              </a:lnSpc>
-              <a:spcBef>
-                <a:spcPts val="0"/>
-              </a:spcBef>
-              <a:spcAft>
-                <a:spcPts val="0"/>
-              </a:spcAft>
-              <a:buClrTx/>
-              <a:buSzTx/>
-              <a:buFontTx/>
-              <a:buNone/>
-              <a:tabLst/>
-              <a:defRPr/>
-            </a:pPr>
-            <a:endParaRPr lang="en-US" dirty="0"/>
-          </a:p>
-          <a:p>
-            <a:pPr marL="0" marR="0" lvl="0" indent="0" algn="l" defTabSz="914400" rtl="0" eaLnBrk="1" fontAlgn="auto" latinLnBrk="0" hangingPunct="1">
-              <a:lnSpc>
-                <a:spcPct val="100000"/>
-              </a:lnSpc>
-              <a:spcBef>
-                <a:spcPts val="0"/>
-              </a:spcBef>
-              <a:spcAft>
-                <a:spcPts val="0"/>
-              </a:spcAft>
-              <a:buClrTx/>
-              <a:buSzTx/>
-              <a:buFontTx/>
-              <a:buNone/>
-              <a:tabLst/>
-              <a:defRPr/>
-            </a:pPr>
-            <a:r>
-              <a:rPr lang="en-US" dirty="0"/>
-              <a:t>We investigated this by testing the variable inflation factor, which showed us that all combinations of independent variables had this issue. </a:t>
-            </a:r>
           </a:p>
         </p:txBody>
       </p:sp>
@@ -2368,13 +2288,8 @@
           <a:p>
             <a:r>
               <a:rPr lang="en-US" dirty="0"/>
-              <a:t>Thank you for your time. That’s it </a:t>
-            </a:r>
-            <a:r>
-              <a:rPr lang="en-US"/>
-              <a:t>for group 6!</a:t>
-            </a:r>
-            <a:endParaRPr lang="en-US" dirty="0"/>
+              <a:t>Thank you for your time. That’s it for group 6!</a:t>
+            </a:r>
           </a:p>
         </p:txBody>
       </p:sp>
@@ -2880,7 +2795,7 @@
                 <a:ea typeface="+mn-ea"/>
                 <a:cs typeface="+mn-cs"/>
               </a:rPr>
-              <a:t>New York Times has a great GitHub repository that contains, amongst others, a report on cases and deaths, broken down by county.</a:t>
+              <a:t>New York Times has a great GitHub repository that contains, amongst others, a report on cases and deaths, broken down by counties nationwide.</a:t>
             </a:r>
             <a:endParaRPr lang="en-US" b="0" dirty="0">
               <a:effectLst/>
@@ -3737,7 +3652,7 @@
           <a:p>
             <a:fld id="{2BE61556-9309-4A94-80D6-8CCFEE4B8FAE}" type="datetimeFigureOut">
               <a:rPr lang="en-US" smtClean="0"/>
-              <a:t>7/23/20</a:t>
+              <a:t>7/24/20</a:t>
             </a:fld>
             <a:endParaRPr lang="en-US"/>
           </a:p>
@@ -4067,7 +3982,7 @@
           <a:p>
             <a:fld id="{2BE61556-9309-4A94-80D6-8CCFEE4B8FAE}" type="datetimeFigureOut">
               <a:rPr lang="en-US" smtClean="0"/>
-              <a:t>7/23/20</a:t>
+              <a:t>7/24/20</a:t>
             </a:fld>
             <a:endParaRPr lang="en-US"/>
           </a:p>
@@ -4247,7 +4162,7 @@
           <a:p>
             <a:fld id="{2BE61556-9309-4A94-80D6-8CCFEE4B8FAE}" type="datetimeFigureOut">
               <a:rPr lang="en-US" smtClean="0"/>
-              <a:t>7/23/20</a:t>
+              <a:t>7/24/20</a:t>
             </a:fld>
             <a:endParaRPr lang="en-US"/>
           </a:p>
@@ -4417,7 +4332,7 @@
           <a:p>
             <a:fld id="{2BE61556-9309-4A94-80D6-8CCFEE4B8FAE}" type="datetimeFigureOut">
               <a:rPr lang="en-US" smtClean="0"/>
-              <a:t>7/23/20</a:t>
+              <a:t>7/24/20</a:t>
             </a:fld>
             <a:endParaRPr lang="en-US"/>
           </a:p>
@@ -4694,7 +4609,7 @@
           <a:p>
             <a:fld id="{2BE61556-9309-4A94-80D6-8CCFEE4B8FAE}" type="datetimeFigureOut">
               <a:rPr lang="en-US" smtClean="0"/>
-              <a:t>7/23/20</a:t>
+              <a:t>7/24/20</a:t>
             </a:fld>
             <a:endParaRPr lang="en-US"/>
           </a:p>
@@ -5088,7 +5003,7 @@
           <a:p>
             <a:fld id="{2BE61556-9309-4A94-80D6-8CCFEE4B8FAE}" type="datetimeFigureOut">
               <a:rPr lang="en-US" smtClean="0"/>
-              <a:t>7/23/20</a:t>
+              <a:t>7/24/20</a:t>
             </a:fld>
             <a:endParaRPr lang="en-US"/>
           </a:p>
@@ -5565,7 +5480,7 @@
           <a:p>
             <a:fld id="{2BE61556-9309-4A94-80D6-8CCFEE4B8FAE}" type="datetimeFigureOut">
               <a:rPr lang="en-US" smtClean="0"/>
-              <a:t>7/23/20</a:t>
+              <a:t>7/24/20</a:t>
             </a:fld>
             <a:endParaRPr lang="en-US"/>
           </a:p>
@@ -5683,7 +5598,7 @@
           <a:p>
             <a:fld id="{2BE61556-9309-4A94-80D6-8CCFEE4B8FAE}" type="datetimeFigureOut">
               <a:rPr lang="en-US" smtClean="0"/>
-              <a:t>7/23/20</a:t>
+              <a:t>7/24/20</a:t>
             </a:fld>
             <a:endParaRPr lang="en-US"/>
           </a:p>
@@ -5778,7 +5693,7 @@
           <a:p>
             <a:fld id="{2BE61556-9309-4A94-80D6-8CCFEE4B8FAE}" type="datetimeFigureOut">
               <a:rPr lang="en-US" smtClean="0"/>
-              <a:t>7/23/20</a:t>
+              <a:t>7/24/20</a:t>
             </a:fld>
             <a:endParaRPr lang="en-US"/>
           </a:p>
@@ -6124,7 +6039,7 @@
           <a:p>
             <a:fld id="{2BE61556-9309-4A94-80D6-8CCFEE4B8FAE}" type="datetimeFigureOut">
               <a:rPr lang="en-US" smtClean="0"/>
-              <a:t>7/23/20</a:t>
+              <a:t>7/24/20</a:t>
             </a:fld>
             <a:endParaRPr lang="en-US"/>
           </a:p>
@@ -6512,7 +6427,7 @@
           <a:p>
             <a:fld id="{2BE61556-9309-4A94-80D6-8CCFEE4B8FAE}" type="datetimeFigureOut">
               <a:rPr lang="en-US" smtClean="0"/>
-              <a:t>7/23/20</a:t>
+              <a:t>7/24/20</a:t>
             </a:fld>
             <a:endParaRPr lang="en-US"/>
           </a:p>
@@ -6790,7 +6705,7 @@
           <a:p>
             <a:fld id="{2BE61556-9309-4A94-80D6-8CCFEE4B8FAE}" type="datetimeFigureOut">
               <a:rPr lang="en-US" smtClean="0"/>
-              <a:t>7/23/20</a:t>
+              <a:t>7/24/20</a:t>
             </a:fld>
             <a:endParaRPr lang="en-US"/>
           </a:p>
